--- a/Sun seminar/Bieu dien thua.pptx
+++ b/Sun seminar/Bieu dien thua.pptx
@@ -17450,7 +17450,12 @@
             <p:ph type="ctrTitle"/>
           </p:nvPr>
         </p:nvSpPr>
-        <p:spPr/>
+        <p:spPr>
+          <a:xfrm>
+            <a:off x="2928401" y="1592339"/>
+            <a:ext cx="8574622" cy="2616199"/>
+          </a:xfrm>
+        </p:spPr>
         <p:txBody>
           <a:bodyPr>
             <a:normAutofit fontScale="90000"/>
@@ -17490,36 +17495,62 @@
             <p:ph type="subTitle" idx="1"/>
           </p:nvPr>
         </p:nvSpPr>
-        <p:spPr/>
+        <p:spPr>
+          <a:xfrm>
+            <a:off x="4515377" y="4208538"/>
+            <a:ext cx="6987645" cy="1388534"/>
+          </a:xfrm>
+        </p:spPr>
         <p:txBody>
           <a:bodyPr/>
           <a:lstStyle/>
           <a:p>
             <a:r>
-              <a:rPr lang="en-US" dirty="0" err="1"/>
+              <a:rPr lang="en-US" dirty="0" err="1">
+                <a:latin typeface="Times New Roman" panose="02020603050405020304" pitchFamily="18" charset="0"/>
+                <a:cs typeface="Times New Roman" panose="02020603050405020304" pitchFamily="18" charset="0"/>
+              </a:rPr>
               <a:t>Đặng</a:t>
             </a:r>
             <a:r>
-              <a:rPr lang="en-US" dirty="0"/>
+              <a:rPr lang="en-US" dirty="0">
+                <a:latin typeface="Times New Roman" panose="02020603050405020304" pitchFamily="18" charset="0"/>
+                <a:cs typeface="Times New Roman" panose="02020603050405020304" pitchFamily="18" charset="0"/>
+              </a:rPr>
               <a:t> </a:t>
             </a:r>
             <a:r>
-              <a:rPr lang="en-US" dirty="0" err="1"/>
+              <a:rPr lang="en-US" dirty="0" err="1">
+                <a:latin typeface="Times New Roman" panose="02020603050405020304" pitchFamily="18" charset="0"/>
+                <a:cs typeface="Times New Roman" panose="02020603050405020304" pitchFamily="18" charset="0"/>
+              </a:rPr>
               <a:t>Khắc</a:t>
             </a:r>
             <a:r>
-              <a:rPr lang="en-US" dirty="0"/>
+              <a:rPr lang="en-US" dirty="0">
+                <a:latin typeface="Times New Roman" panose="02020603050405020304" pitchFamily="18" charset="0"/>
+                <a:cs typeface="Times New Roman" panose="02020603050405020304" pitchFamily="18" charset="0"/>
+              </a:rPr>
               <a:t> </a:t>
             </a:r>
             <a:r>
-              <a:rPr lang="en-US" dirty="0" err="1"/>
+              <a:rPr lang="en-US" dirty="0" err="1">
+                <a:latin typeface="Times New Roman" panose="02020603050405020304" pitchFamily="18" charset="0"/>
+                <a:cs typeface="Times New Roman" panose="02020603050405020304" pitchFamily="18" charset="0"/>
+              </a:rPr>
               <a:t>Toàn</a:t>
             </a:r>
             <a:r>
-              <a:rPr lang="en-US" dirty="0"/>
+              <a:rPr lang="en-US" dirty="0">
+                <a:latin typeface="Times New Roman" panose="02020603050405020304" pitchFamily="18" charset="0"/>
+                <a:cs typeface="Times New Roman" panose="02020603050405020304" pitchFamily="18" charset="0"/>
+              </a:rPr>
               <a:t> – Sun Asterisk</a:t>
             </a:r>
-            <a:endParaRPr lang="en-GB" dirty="0"/>
+            <a:endParaRPr lang="en-GB" dirty="0">
+              <a:latin typeface="Times New Roman" panose="02020603050405020304" pitchFamily="18" charset="0"/>
+              <a:cs typeface="Times New Roman" panose="02020603050405020304" pitchFamily="18" charset="0"/>
+            </a:endParaRPr>
           </a:p>
         </p:txBody>
       </p:sp>
@@ -20806,21 +20837,21 @@
                 <a:latin typeface="Times New Roman" panose="02020603050405020304" pitchFamily="18" charset="0"/>
                 <a:cs typeface="Times New Roman" panose="02020603050405020304" pitchFamily="18" charset="0"/>
               </a:rPr>
+              <a:t>ảnh</a:t>
+            </a:r>
+            <a:r>
+              <a:rPr lang="en-US" sz="2000" dirty="0">
+                <a:latin typeface="Times New Roman" panose="02020603050405020304" pitchFamily="18" charset="0"/>
+                <a:cs typeface="Times New Roman" panose="02020603050405020304" pitchFamily="18" charset="0"/>
+              </a:rPr>
+              <a:t> </a:t>
+            </a:r>
+            <a:r>
+              <a:rPr lang="en-US" sz="2000" dirty="0" err="1">
+                <a:latin typeface="Times New Roman" panose="02020603050405020304" pitchFamily="18" charset="0"/>
+                <a:cs typeface="Times New Roman" panose="02020603050405020304" pitchFamily="18" charset="0"/>
+              </a:rPr>
               <a:t>số</a:t>
-            </a:r>
-            <a:r>
-              <a:rPr lang="en-US" sz="2000" dirty="0">
-                <a:latin typeface="Times New Roman" panose="02020603050405020304" pitchFamily="18" charset="0"/>
-                <a:cs typeface="Times New Roman" panose="02020603050405020304" pitchFamily="18" charset="0"/>
-              </a:rPr>
-              <a:t> </a:t>
-            </a:r>
-            <a:r>
-              <a:rPr lang="en-US" sz="2000" dirty="0" err="1">
-                <a:latin typeface="Times New Roman" panose="02020603050405020304" pitchFamily="18" charset="0"/>
-                <a:cs typeface="Times New Roman" panose="02020603050405020304" pitchFamily="18" charset="0"/>
-              </a:rPr>
-              <a:t>ảnh</a:t>
             </a:r>
             <a:r>
               <a:rPr lang="en-US" sz="2000" dirty="0">
